--- a/figure_preparation/figure_refinement.pptx
+++ b/figure_preparation/figure_refinement.pptx
@@ -197,7 +197,7 @@
           <a:p>
             <a:fld id="{EE359CF4-FF28-4B20-B9F7-F87830B54642}" type="datetimeFigureOut">
               <a:rPr lang="LID4096" smtClean="0"/>
-              <a:t>06/30/2020</a:t>
+              <a:t>07/07/2021</a:t>
             </a:fld>
             <a:endParaRPr lang="LID4096"/>
           </a:p>
@@ -515,11 +515,11 @@
           <a:lstStyle/>
           <a:p>
             <a:r>
-              <a:rPr lang="en-US" dirty="0" smtClean="0"/>
+              <a:rPr lang="en-US" dirty="0"/>
               <a:t>Maybe a legend could be included? I add it</a:t>
             </a:r>
             <a:r>
-              <a:rPr lang="en-US" baseline="0" dirty="0" smtClean="0"/>
+              <a:rPr lang="en-US" baseline="0" dirty="0"/>
               <a:t> outside of the figure, and if needed can be included.</a:t>
             </a:r>
             <a:endParaRPr lang="LID4096" dirty="0"/>
@@ -604,7 +604,7 @@
           </a:lstStyle>
           <a:p>
             <a:r>
-              <a:rPr lang="en-US" smtClean="0"/>
+              <a:rPr lang="en-US"/>
               <a:t>Click to edit Master title style</a:t>
             </a:r>
             <a:endParaRPr lang="en-US" dirty="0"/>
@@ -669,7 +669,7 @@
           </a:lstStyle>
           <a:p>
             <a:r>
-              <a:rPr lang="en-US" smtClean="0"/>
+              <a:rPr lang="en-US"/>
               <a:t>Click to edit Master subtitle style</a:t>
             </a:r>
             <a:endParaRPr lang="en-US" dirty="0"/>
@@ -693,7 +693,7 @@
           <a:p>
             <a:fld id="{3F89242A-01B4-4476-B3EA-2EBB36632F01}" type="datetimeFigureOut">
               <a:rPr lang="LID4096" smtClean="0"/>
-              <a:t>06/30/2020</a:t>
+              <a:t>07/07/2021</a:t>
             </a:fld>
             <a:endParaRPr lang="LID4096"/>
           </a:p>
@@ -787,7 +787,7 @@
           <a:lstStyle/>
           <a:p>
             <a:r>
-              <a:rPr lang="en-US" smtClean="0"/>
+              <a:rPr lang="en-US"/>
               <a:t>Click to edit Master title style</a:t>
             </a:r>
             <a:endParaRPr lang="en-US" dirty="0"/>
@@ -811,35 +811,35 @@
           <a:p>
             <a:pPr lvl="0"/>
             <a:r>
-              <a:rPr lang="en-US" smtClean="0"/>
+              <a:rPr lang="en-US"/>
               <a:t>Edit Master text styles</a:t>
             </a:r>
           </a:p>
           <a:p>
             <a:pPr lvl="1"/>
             <a:r>
-              <a:rPr lang="en-US" smtClean="0"/>
+              <a:rPr lang="en-US"/>
               <a:t>Second level</a:t>
             </a:r>
           </a:p>
           <a:p>
             <a:pPr lvl="2"/>
             <a:r>
-              <a:rPr lang="en-US" smtClean="0"/>
+              <a:rPr lang="en-US"/>
               <a:t>Third level</a:t>
             </a:r>
           </a:p>
           <a:p>
             <a:pPr lvl="3"/>
             <a:r>
-              <a:rPr lang="en-US" smtClean="0"/>
+              <a:rPr lang="en-US"/>
               <a:t>Fourth level</a:t>
             </a:r>
           </a:p>
           <a:p>
             <a:pPr lvl="4"/>
             <a:r>
-              <a:rPr lang="en-US" smtClean="0"/>
+              <a:rPr lang="en-US"/>
               <a:t>Fifth level</a:t>
             </a:r>
             <a:endParaRPr lang="en-US" dirty="0"/>
@@ -863,7 +863,7 @@
           <a:p>
             <a:fld id="{3F89242A-01B4-4476-B3EA-2EBB36632F01}" type="datetimeFigureOut">
               <a:rPr lang="LID4096" smtClean="0"/>
-              <a:t>06/30/2020</a:t>
+              <a:t>07/07/2021</a:t>
             </a:fld>
             <a:endParaRPr lang="LID4096"/>
           </a:p>
@@ -962,7 +962,7 @@
           <a:lstStyle/>
           <a:p>
             <a:r>
-              <a:rPr lang="en-US" smtClean="0"/>
+              <a:rPr lang="en-US"/>
               <a:t>Click to edit Master title style</a:t>
             </a:r>
             <a:endParaRPr lang="en-US" dirty="0"/>
@@ -991,35 +991,35 @@
           <a:p>
             <a:pPr lvl="0"/>
             <a:r>
-              <a:rPr lang="en-US" smtClean="0"/>
+              <a:rPr lang="en-US"/>
               <a:t>Edit Master text styles</a:t>
             </a:r>
           </a:p>
           <a:p>
             <a:pPr lvl="1"/>
             <a:r>
-              <a:rPr lang="en-US" smtClean="0"/>
+              <a:rPr lang="en-US"/>
               <a:t>Second level</a:t>
             </a:r>
           </a:p>
           <a:p>
             <a:pPr lvl="2"/>
             <a:r>
-              <a:rPr lang="en-US" smtClean="0"/>
+              <a:rPr lang="en-US"/>
               <a:t>Third level</a:t>
             </a:r>
           </a:p>
           <a:p>
             <a:pPr lvl="3"/>
             <a:r>
-              <a:rPr lang="en-US" smtClean="0"/>
+              <a:rPr lang="en-US"/>
               <a:t>Fourth level</a:t>
             </a:r>
           </a:p>
           <a:p>
             <a:pPr lvl="4"/>
             <a:r>
-              <a:rPr lang="en-US" smtClean="0"/>
+              <a:rPr lang="en-US"/>
               <a:t>Fifth level</a:t>
             </a:r>
             <a:endParaRPr lang="en-US" dirty="0"/>
@@ -1043,7 +1043,7 @@
           <a:p>
             <a:fld id="{3F89242A-01B4-4476-B3EA-2EBB36632F01}" type="datetimeFigureOut">
               <a:rPr lang="LID4096" smtClean="0"/>
-              <a:t>06/30/2020</a:t>
+              <a:t>07/07/2021</a:t>
             </a:fld>
             <a:endParaRPr lang="LID4096"/>
           </a:p>
@@ -1137,7 +1137,7 @@
           <a:lstStyle/>
           <a:p>
             <a:r>
-              <a:rPr lang="en-US" smtClean="0"/>
+              <a:rPr lang="en-US"/>
               <a:t>Click to edit Master title style</a:t>
             </a:r>
             <a:endParaRPr lang="en-US" dirty="0"/>
@@ -1161,35 +1161,35 @@
           <a:p>
             <a:pPr lvl="0"/>
             <a:r>
-              <a:rPr lang="en-US" smtClean="0"/>
+              <a:rPr lang="en-US"/>
               <a:t>Edit Master text styles</a:t>
             </a:r>
           </a:p>
           <a:p>
             <a:pPr lvl="1"/>
             <a:r>
-              <a:rPr lang="en-US" smtClean="0"/>
+              <a:rPr lang="en-US"/>
               <a:t>Second level</a:t>
             </a:r>
           </a:p>
           <a:p>
             <a:pPr lvl="2"/>
             <a:r>
-              <a:rPr lang="en-US" smtClean="0"/>
+              <a:rPr lang="en-US"/>
               <a:t>Third level</a:t>
             </a:r>
           </a:p>
           <a:p>
             <a:pPr lvl="3"/>
             <a:r>
-              <a:rPr lang="en-US" smtClean="0"/>
+              <a:rPr lang="en-US"/>
               <a:t>Fourth level</a:t>
             </a:r>
           </a:p>
           <a:p>
             <a:pPr lvl="4"/>
             <a:r>
-              <a:rPr lang="en-US" smtClean="0"/>
+              <a:rPr lang="en-US"/>
               <a:t>Fifth level</a:t>
             </a:r>
             <a:endParaRPr lang="en-US" dirty="0"/>
@@ -1213,7 +1213,7 @@
           <a:p>
             <a:fld id="{3F89242A-01B4-4476-B3EA-2EBB36632F01}" type="datetimeFigureOut">
               <a:rPr lang="LID4096" smtClean="0"/>
-              <a:t>06/30/2020</a:t>
+              <a:t>07/07/2021</a:t>
             </a:fld>
             <a:endParaRPr lang="LID4096"/>
           </a:p>
@@ -1316,7 +1316,7 @@
           </a:lstStyle>
           <a:p>
             <a:r>
-              <a:rPr lang="en-US" smtClean="0"/>
+              <a:rPr lang="en-US"/>
               <a:t>Click to edit Master title style</a:t>
             </a:r>
             <a:endParaRPr lang="en-US" dirty="0"/>
@@ -1436,7 +1436,7 @@
           <a:p>
             <a:pPr lvl="0"/>
             <a:r>
-              <a:rPr lang="en-US" smtClean="0"/>
+              <a:rPr lang="en-US"/>
               <a:t>Edit Master text styles</a:t>
             </a:r>
           </a:p>
@@ -1459,7 +1459,7 @@
           <a:p>
             <a:fld id="{3F89242A-01B4-4476-B3EA-2EBB36632F01}" type="datetimeFigureOut">
               <a:rPr lang="LID4096" smtClean="0"/>
-              <a:t>06/30/2020</a:t>
+              <a:t>07/07/2021</a:t>
             </a:fld>
             <a:endParaRPr lang="LID4096"/>
           </a:p>
@@ -1553,7 +1553,7 @@
           <a:lstStyle/>
           <a:p>
             <a:r>
-              <a:rPr lang="en-US" smtClean="0"/>
+              <a:rPr lang="en-US"/>
               <a:t>Click to edit Master title style</a:t>
             </a:r>
             <a:endParaRPr lang="en-US" dirty="0"/>
@@ -1582,35 +1582,35 @@
           <a:p>
             <a:pPr lvl="0"/>
             <a:r>
-              <a:rPr lang="en-US" smtClean="0"/>
+              <a:rPr lang="en-US"/>
               <a:t>Edit Master text styles</a:t>
             </a:r>
           </a:p>
           <a:p>
             <a:pPr lvl="1"/>
             <a:r>
-              <a:rPr lang="en-US" smtClean="0"/>
+              <a:rPr lang="en-US"/>
               <a:t>Second level</a:t>
             </a:r>
           </a:p>
           <a:p>
             <a:pPr lvl="2"/>
             <a:r>
-              <a:rPr lang="en-US" smtClean="0"/>
+              <a:rPr lang="en-US"/>
               <a:t>Third level</a:t>
             </a:r>
           </a:p>
           <a:p>
             <a:pPr lvl="3"/>
             <a:r>
-              <a:rPr lang="en-US" smtClean="0"/>
+              <a:rPr lang="en-US"/>
               <a:t>Fourth level</a:t>
             </a:r>
           </a:p>
           <a:p>
             <a:pPr lvl="4"/>
             <a:r>
-              <a:rPr lang="en-US" smtClean="0"/>
+              <a:rPr lang="en-US"/>
               <a:t>Fifth level</a:t>
             </a:r>
             <a:endParaRPr lang="en-US" dirty="0"/>
@@ -1639,35 +1639,35 @@
           <a:p>
             <a:pPr lvl="0"/>
             <a:r>
-              <a:rPr lang="en-US" smtClean="0"/>
+              <a:rPr lang="en-US"/>
               <a:t>Edit Master text styles</a:t>
             </a:r>
           </a:p>
           <a:p>
             <a:pPr lvl="1"/>
             <a:r>
-              <a:rPr lang="en-US" smtClean="0"/>
+              <a:rPr lang="en-US"/>
               <a:t>Second level</a:t>
             </a:r>
           </a:p>
           <a:p>
             <a:pPr lvl="2"/>
             <a:r>
-              <a:rPr lang="en-US" smtClean="0"/>
+              <a:rPr lang="en-US"/>
               <a:t>Third level</a:t>
             </a:r>
           </a:p>
           <a:p>
             <a:pPr lvl="3"/>
             <a:r>
-              <a:rPr lang="en-US" smtClean="0"/>
+              <a:rPr lang="en-US"/>
               <a:t>Fourth level</a:t>
             </a:r>
           </a:p>
           <a:p>
             <a:pPr lvl="4"/>
             <a:r>
-              <a:rPr lang="en-US" smtClean="0"/>
+              <a:rPr lang="en-US"/>
               <a:t>Fifth level</a:t>
             </a:r>
             <a:endParaRPr lang="en-US" dirty="0"/>
@@ -1691,7 +1691,7 @@
           <a:p>
             <a:fld id="{3F89242A-01B4-4476-B3EA-2EBB36632F01}" type="datetimeFigureOut">
               <a:rPr lang="LID4096" smtClean="0"/>
-              <a:t>06/30/2020</a:t>
+              <a:t>07/07/2021</a:t>
             </a:fld>
             <a:endParaRPr lang="LID4096"/>
           </a:p>
@@ -1790,7 +1790,7 @@
           <a:lstStyle/>
           <a:p>
             <a:r>
-              <a:rPr lang="en-US" smtClean="0"/>
+              <a:rPr lang="en-US"/>
               <a:t>Click to edit Master title style</a:t>
             </a:r>
             <a:endParaRPr lang="en-US" dirty="0"/>
@@ -1856,7 +1856,7 @@
           <a:p>
             <a:pPr lvl="0"/>
             <a:r>
-              <a:rPr lang="en-US" smtClean="0"/>
+              <a:rPr lang="en-US"/>
               <a:t>Edit Master text styles</a:t>
             </a:r>
           </a:p>
@@ -1884,35 +1884,35 @@
           <a:p>
             <a:pPr lvl="0"/>
             <a:r>
-              <a:rPr lang="en-US" smtClean="0"/>
+              <a:rPr lang="en-US"/>
               <a:t>Edit Master text styles</a:t>
             </a:r>
           </a:p>
           <a:p>
             <a:pPr lvl="1"/>
             <a:r>
-              <a:rPr lang="en-US" smtClean="0"/>
+              <a:rPr lang="en-US"/>
               <a:t>Second level</a:t>
             </a:r>
           </a:p>
           <a:p>
             <a:pPr lvl="2"/>
             <a:r>
-              <a:rPr lang="en-US" smtClean="0"/>
+              <a:rPr lang="en-US"/>
               <a:t>Third level</a:t>
             </a:r>
           </a:p>
           <a:p>
             <a:pPr lvl="3"/>
             <a:r>
-              <a:rPr lang="en-US" smtClean="0"/>
+              <a:rPr lang="en-US"/>
               <a:t>Fourth level</a:t>
             </a:r>
           </a:p>
           <a:p>
             <a:pPr lvl="4"/>
             <a:r>
-              <a:rPr lang="en-US" smtClean="0"/>
+              <a:rPr lang="en-US"/>
               <a:t>Fifth level</a:t>
             </a:r>
             <a:endParaRPr lang="en-US" dirty="0"/>
@@ -1978,7 +1978,7 @@
           <a:p>
             <a:pPr lvl="0"/>
             <a:r>
-              <a:rPr lang="en-US" smtClean="0"/>
+              <a:rPr lang="en-US"/>
               <a:t>Edit Master text styles</a:t>
             </a:r>
           </a:p>
@@ -2006,35 +2006,35 @@
           <a:p>
             <a:pPr lvl="0"/>
             <a:r>
-              <a:rPr lang="en-US" smtClean="0"/>
+              <a:rPr lang="en-US"/>
               <a:t>Edit Master text styles</a:t>
             </a:r>
           </a:p>
           <a:p>
             <a:pPr lvl="1"/>
             <a:r>
-              <a:rPr lang="en-US" smtClean="0"/>
+              <a:rPr lang="en-US"/>
               <a:t>Second level</a:t>
             </a:r>
           </a:p>
           <a:p>
             <a:pPr lvl="2"/>
             <a:r>
-              <a:rPr lang="en-US" smtClean="0"/>
+              <a:rPr lang="en-US"/>
               <a:t>Third level</a:t>
             </a:r>
           </a:p>
           <a:p>
             <a:pPr lvl="3"/>
             <a:r>
-              <a:rPr lang="en-US" smtClean="0"/>
+              <a:rPr lang="en-US"/>
               <a:t>Fourth level</a:t>
             </a:r>
           </a:p>
           <a:p>
             <a:pPr lvl="4"/>
             <a:r>
-              <a:rPr lang="en-US" smtClean="0"/>
+              <a:rPr lang="en-US"/>
               <a:t>Fifth level</a:t>
             </a:r>
             <a:endParaRPr lang="en-US" dirty="0"/>
@@ -2058,7 +2058,7 @@
           <a:p>
             <a:fld id="{3F89242A-01B4-4476-B3EA-2EBB36632F01}" type="datetimeFigureOut">
               <a:rPr lang="LID4096" smtClean="0"/>
-              <a:t>06/30/2020</a:t>
+              <a:t>07/07/2021</a:t>
             </a:fld>
             <a:endParaRPr lang="LID4096"/>
           </a:p>
@@ -2152,7 +2152,7 @@
           <a:lstStyle/>
           <a:p>
             <a:r>
-              <a:rPr lang="en-US" smtClean="0"/>
+              <a:rPr lang="en-US"/>
               <a:t>Click to edit Master title style</a:t>
             </a:r>
             <a:endParaRPr lang="en-US" dirty="0"/>
@@ -2176,7 +2176,7 @@
           <a:p>
             <a:fld id="{3F89242A-01B4-4476-B3EA-2EBB36632F01}" type="datetimeFigureOut">
               <a:rPr lang="LID4096" smtClean="0"/>
-              <a:t>06/30/2020</a:t>
+              <a:t>07/07/2021</a:t>
             </a:fld>
             <a:endParaRPr lang="LID4096"/>
           </a:p>
@@ -2271,7 +2271,7 @@
           <a:p>
             <a:fld id="{3F89242A-01B4-4476-B3EA-2EBB36632F01}" type="datetimeFigureOut">
               <a:rPr lang="LID4096" smtClean="0"/>
-              <a:t>06/30/2020</a:t>
+              <a:t>07/07/2021</a:t>
             </a:fld>
             <a:endParaRPr lang="LID4096"/>
           </a:p>
@@ -2374,7 +2374,7 @@
           </a:lstStyle>
           <a:p>
             <a:r>
-              <a:rPr lang="en-US" smtClean="0"/>
+              <a:rPr lang="en-US"/>
               <a:t>Click to edit Master title style</a:t>
             </a:r>
             <a:endParaRPr lang="en-US" dirty="0"/>
@@ -2431,35 +2431,35 @@
           <a:p>
             <a:pPr lvl="0"/>
             <a:r>
-              <a:rPr lang="en-US" smtClean="0"/>
+              <a:rPr lang="en-US"/>
               <a:t>Edit Master text styles</a:t>
             </a:r>
           </a:p>
           <a:p>
             <a:pPr lvl="1"/>
             <a:r>
-              <a:rPr lang="en-US" smtClean="0"/>
+              <a:rPr lang="en-US"/>
               <a:t>Second level</a:t>
             </a:r>
           </a:p>
           <a:p>
             <a:pPr lvl="2"/>
             <a:r>
-              <a:rPr lang="en-US" smtClean="0"/>
+              <a:rPr lang="en-US"/>
               <a:t>Third level</a:t>
             </a:r>
           </a:p>
           <a:p>
             <a:pPr lvl="3"/>
             <a:r>
-              <a:rPr lang="en-US" smtClean="0"/>
+              <a:rPr lang="en-US"/>
               <a:t>Fourth level</a:t>
             </a:r>
           </a:p>
           <a:p>
             <a:pPr lvl="4"/>
             <a:r>
-              <a:rPr lang="en-US" smtClean="0"/>
+              <a:rPr lang="en-US"/>
               <a:t>Fifth level</a:t>
             </a:r>
             <a:endParaRPr lang="en-US" dirty="0"/>
@@ -2525,7 +2525,7 @@
           <a:p>
             <a:pPr lvl="0"/>
             <a:r>
-              <a:rPr lang="en-US" smtClean="0"/>
+              <a:rPr lang="en-US"/>
               <a:t>Edit Master text styles</a:t>
             </a:r>
           </a:p>
@@ -2548,7 +2548,7 @@
           <a:p>
             <a:fld id="{3F89242A-01B4-4476-B3EA-2EBB36632F01}" type="datetimeFigureOut">
               <a:rPr lang="LID4096" smtClean="0"/>
-              <a:t>06/30/2020</a:t>
+              <a:t>07/07/2021</a:t>
             </a:fld>
             <a:endParaRPr lang="LID4096"/>
           </a:p>
@@ -2651,7 +2651,7 @@
           </a:lstStyle>
           <a:p>
             <a:r>
-              <a:rPr lang="en-US" smtClean="0"/>
+              <a:rPr lang="en-US"/>
               <a:t>Click to edit Master title style</a:t>
             </a:r>
             <a:endParaRPr lang="en-US" dirty="0"/>
@@ -2716,7 +2716,7 @@
           </a:lstStyle>
           <a:p>
             <a:r>
-              <a:rPr lang="en-US" smtClean="0"/>
+              <a:rPr lang="en-US"/>
               <a:t>Click icon to add picture</a:t>
             </a:r>
             <a:endParaRPr lang="en-US" dirty="0"/>
@@ -2782,7 +2782,7 @@
           <a:p>
             <a:pPr lvl="0"/>
             <a:r>
-              <a:rPr lang="en-US" smtClean="0"/>
+              <a:rPr lang="en-US"/>
               <a:t>Edit Master text styles</a:t>
             </a:r>
           </a:p>
@@ -2805,7 +2805,7 @@
           <a:p>
             <a:fld id="{3F89242A-01B4-4476-B3EA-2EBB36632F01}" type="datetimeFigureOut">
               <a:rPr lang="LID4096" smtClean="0"/>
-              <a:t>06/30/2020</a:t>
+              <a:t>07/07/2021</a:t>
             </a:fld>
             <a:endParaRPr lang="LID4096"/>
           </a:p>
@@ -2914,7 +2914,7 @@
           <a:lstStyle/>
           <a:p>
             <a:r>
-              <a:rPr lang="en-US" smtClean="0"/>
+              <a:rPr lang="en-US"/>
               <a:t>Click to edit Master title style</a:t>
             </a:r>
             <a:endParaRPr lang="en-US" dirty="0"/>
@@ -2948,35 +2948,35 @@
           <a:p>
             <a:pPr lvl="0"/>
             <a:r>
-              <a:rPr lang="en-US" smtClean="0"/>
+              <a:rPr lang="en-US"/>
               <a:t>Edit Master text styles</a:t>
             </a:r>
           </a:p>
           <a:p>
             <a:pPr lvl="1"/>
             <a:r>
-              <a:rPr lang="en-US" smtClean="0"/>
+              <a:rPr lang="en-US"/>
               <a:t>Second level</a:t>
             </a:r>
           </a:p>
           <a:p>
             <a:pPr lvl="2"/>
             <a:r>
-              <a:rPr lang="en-US" smtClean="0"/>
+              <a:rPr lang="en-US"/>
               <a:t>Third level</a:t>
             </a:r>
           </a:p>
           <a:p>
             <a:pPr lvl="3"/>
             <a:r>
-              <a:rPr lang="en-US" smtClean="0"/>
+              <a:rPr lang="en-US"/>
               <a:t>Fourth level</a:t>
             </a:r>
           </a:p>
           <a:p>
             <a:pPr lvl="4"/>
             <a:r>
-              <a:rPr lang="en-US" smtClean="0"/>
+              <a:rPr lang="en-US"/>
               <a:t>Fifth level</a:t>
             </a:r>
             <a:endParaRPr lang="en-US" dirty="0"/>
@@ -3018,7 +3018,7 @@
           <a:p>
             <a:fld id="{3F89242A-01B4-4476-B3EA-2EBB36632F01}" type="datetimeFigureOut">
               <a:rPr lang="LID4096" smtClean="0"/>
-              <a:t>06/30/2020</a:t>
+              <a:t>07/07/2021</a:t>
             </a:fld>
             <a:endParaRPr lang="LID4096"/>
           </a:p>
@@ -3949,7 +3949,7 @@
                 <a:latin typeface="Arial" panose="020B0604020202020204" pitchFamily="34" charset="0"/>
                 <a:cs typeface="Arial" panose="020B0604020202020204" pitchFamily="34" charset="0"/>
               </a:rPr>
-              <a:t>Post-event detected water pixels for 17 mosaics</a:t>
+              <a:t>Detected water pixels for post-event mosaics</a:t>
             </a:r>
             <a:endParaRPr lang="LID4096" sz="700" dirty="0">
               <a:latin typeface="Arial" panose="020B0604020202020204" pitchFamily="34" charset="0"/>
@@ -4764,7 +4764,7 @@
                 <a14:useLocalDpi xmlns:a14="http://schemas.microsoft.com/office/drawing/2010/main" val="0"/>
               </a:ext>
               <a:ext uri="{96DAC541-7B7A-43D3-8B79-37D633B846F1}">
-                <asvg:svgBlip xmlns:asvg="http://schemas.microsoft.com/office/drawing/2016/SVG/main" xmlns="" r:embed="rId4"/>
+                <asvg:svgBlip xmlns:asvg="http://schemas.microsoft.com/office/drawing/2016/SVG/main" r:embed="rId4"/>
               </a:ext>
             </a:extLst>
           </a:blip>
@@ -5132,8 +5132,8 @@
         </p:nvCxnSpPr>
         <p:spPr>
           <a:xfrm>
-            <a:off x="4263935" y="353016"/>
-            <a:ext cx="1" cy="102137"/>
+            <a:off x="4263934" y="353015"/>
+            <a:ext cx="1" cy="102138"/>
           </a:xfrm>
           <a:prstGeom prst="line">
             <a:avLst/>
